--- a/0 portfolio/210401 취업준비/iOS_app_cSharp프로젝트_PPT_2021/1_PPT_노션(개발블로그)과 Git설명_210430/[개요] 노션 및 Github_210430.pptx
+++ b/0 portfolio/210401 취업준비/iOS_app_cSharp프로젝트_PPT_2021/1_PPT_노션(개발블로그)과 Git설명_210430/[개요] 노션 및 Github_210430.pptx
@@ -304,7 +304,7 @@
           <a:p>
             <a:fld id="{F8166F1F-CE9B-4651-A6AA-CD717754106B}" type="datetimeFigureOut">
               <a:rPr lang="en-US" smtClean="0"/>
-              <a:t>4/30/2021</a:t>
+              <a:t>6/8/2021</a:t>
             </a:fld>
             <a:endParaRPr lang="en-US"/>
           </a:p>
@@ -811,7 +811,7 @@
           <a:p>
             <a:fld id="{A76116CE-C4A3-4A05-B2D7-7C2E9A889C0F}" type="datetimeFigureOut">
               <a:rPr lang="en-US" smtClean="0"/>
-              <a:t>4/30/2021</a:t>
+              <a:t>6/8/2021</a:t>
             </a:fld>
             <a:endParaRPr lang="en-US"/>
           </a:p>
@@ -1052,7 +1052,7 @@
           <a:p>
             <a:fld id="{A76116CE-C4A3-4A05-B2D7-7C2E9A889C0F}" type="datetimeFigureOut">
               <a:rPr lang="en-US" smtClean="0"/>
-              <a:t>4/30/2021</a:t>
+              <a:t>6/8/2021</a:t>
             </a:fld>
             <a:endParaRPr lang="en-US"/>
           </a:p>
@@ -3116,8 +3116,8 @@
         </p:blipFill>
         <p:spPr>
           <a:xfrm>
-            <a:off x="1890429" y="849342"/>
-            <a:ext cx="12107755" cy="8963163"/>
+            <a:off x="14733370" y="3787189"/>
+            <a:ext cx="1115061" cy="1115061"/>
           </a:xfrm>
           <a:prstGeom prst="rect">
             <a:avLst/>
@@ -3140,8 +3140,8 @@
         </p:blipFill>
         <p:spPr>
           <a:xfrm>
-            <a:off x="10375066" y="6750609"/>
-            <a:ext cx="2276542" cy="1628828"/>
+            <a:off x="1890429" y="849342"/>
+            <a:ext cx="11949468" cy="8963163"/>
           </a:xfrm>
           <a:prstGeom prst="rect">
             <a:avLst/>
@@ -3164,8 +3164,56 @@
         </p:blipFill>
         <p:spPr>
           <a:xfrm>
+            <a:off x="10375066" y="6750609"/>
+            <a:ext cx="2189257" cy="1628828"/>
+          </a:xfrm>
+          <a:prstGeom prst="rect">
+            <a:avLst/>
+          </a:prstGeom>
+        </p:spPr>
+      </p:pic>
+      <p:pic>
+        <p:nvPicPr>
+          <p:cNvPr id="8" name="Object 7"/>
+          <p:cNvPicPr>
+            <a:picLocks noChangeAspect="1"/>
+          </p:cNvPicPr>
+          <p:nvPr/>
+        </p:nvPicPr>
+        <p:blipFill>
+          <a:blip r:embed="rId6" cstate="print"/>
+          <a:stretch>
+            <a:fillRect/>
+          </a:stretch>
+        </p:blipFill>
+        <p:spPr>
+          <a:xfrm>
             <a:off x="14633140" y="7628267"/>
-            <a:ext cx="1388459" cy="661363"/>
+            <a:ext cx="1340931" cy="661363"/>
+          </a:xfrm>
+          <a:prstGeom prst="rect">
+            <a:avLst/>
+          </a:prstGeom>
+        </p:spPr>
+      </p:pic>
+      <p:pic>
+        <p:nvPicPr>
+          <p:cNvPr id="9" name="Object 8"/>
+          <p:cNvPicPr>
+            <a:picLocks noChangeAspect="1"/>
+          </p:cNvPicPr>
+          <p:nvPr/>
+        </p:nvPicPr>
+        <p:blipFill>
+          <a:blip r:embed="rId7" cstate="print"/>
+          <a:stretch>
+            <a:fillRect/>
+          </a:stretch>
+        </p:blipFill>
+        <p:spPr>
+          <a:xfrm>
+            <a:off x="14604042" y="3003962"/>
+            <a:ext cx="1221966" cy="773422"/>
           </a:xfrm>
           <a:prstGeom prst="rect">
             <a:avLst/>
@@ -3180,69 +3228,6 @@
         </p:nvGrpSpPr>
         <p:grpSpPr>
           <a:xfrm>
-            <a:off x="14661594" y="3061514"/>
-            <a:ext cx="1258613" cy="1840736"/>
-            <a:chOff x="14661594" y="3061514"/>
-            <a:chExt cx="1258613" cy="1840736"/>
-          </a:xfrm>
-        </p:grpSpPr>
-        <p:pic>
-          <p:nvPicPr>
-            <p:cNvPr id="9" name="Object 8"/>
-            <p:cNvPicPr>
-              <a:picLocks noChangeAspect="1"/>
-            </p:cNvPicPr>
-            <p:nvPr/>
-          </p:nvPicPr>
-          <p:blipFill>
-            <a:blip r:embed="rId6" cstate="print"/>
-            <a:stretch>
-              <a:fillRect/>
-            </a:stretch>
-          </p:blipFill>
-          <p:spPr>
-            <a:xfrm>
-              <a:off x="14733370" y="3787189"/>
-              <a:ext cx="1115061" cy="1115061"/>
-            </a:xfrm>
-            <a:prstGeom prst="rect">
-              <a:avLst/>
-            </a:prstGeom>
-          </p:spPr>
-        </p:pic>
-        <p:pic>
-          <p:nvPicPr>
-            <p:cNvPr id="10" name="Object 9"/>
-            <p:cNvPicPr>
-              <a:picLocks noChangeAspect="1"/>
-            </p:cNvPicPr>
-            <p:nvPr/>
-          </p:nvPicPr>
-          <p:blipFill>
-            <a:blip r:embed="rId7" cstate="print"/>
-            <a:stretch>
-              <a:fillRect/>
-            </a:stretch>
-          </p:blipFill>
-          <p:spPr>
-            <a:xfrm>
-              <a:off x="14604042" y="3003962"/>
-              <a:ext cx="1262388" cy="773422"/>
-            </a:xfrm>
-            <a:prstGeom prst="rect">
-              <a:avLst/>
-            </a:prstGeom>
-          </p:spPr>
-        </p:pic>
-      </p:grpSp>
-      <p:grpSp>
-        <p:nvGrpSpPr>
-          <p:cNvPr id="1003" name="그룹 1003"/>
-          <p:cNvGrpSpPr/>
-          <p:nvPr/>
-        </p:nvGrpSpPr>
-        <p:grpSpPr>
-          <a:xfrm>
             <a:off x="14661594" y="5298958"/>
             <a:ext cx="1258613" cy="1877886"/>
             <a:chOff x="14661594" y="5298958"/>
@@ -3251,7 +3236,7 @@
         </p:grpSpPr>
         <p:pic>
           <p:nvPicPr>
-            <p:cNvPr id="13" name="Object 12"/>
+            <p:cNvPr id="11" name="Object 10"/>
             <p:cNvPicPr>
               <a:picLocks noChangeAspect="1"/>
             </p:cNvPicPr>
@@ -3275,7 +3260,7 @@
         </p:pic>
         <p:pic>
           <p:nvPicPr>
-            <p:cNvPr id="14" name="Object 13"/>
+            <p:cNvPr id="12" name="Object 11"/>
             <p:cNvPicPr>
               <a:picLocks noChangeAspect="1"/>
             </p:cNvPicPr>
@@ -3290,7 +3275,7 @@
           <p:spPr>
             <a:xfrm>
               <a:off x="14604042" y="5241407"/>
-              <a:ext cx="1465817" cy="794593"/>
+              <a:ext cx="1431533" cy="794593"/>
             </a:xfrm>
             <a:prstGeom prst="rect">
               <a:avLst/>
@@ -3465,7 +3450,7 @@
         <p:spPr>
           <a:xfrm>
             <a:off x="2095524" y="6055601"/>
-            <a:ext cx="5113996" cy="2297327"/>
+            <a:ext cx="5088631" cy="2297327"/>
           </a:xfrm>
           <a:prstGeom prst="rect">
             <a:avLst/>
@@ -3858,7 +3843,7 @@
         <p:spPr>
           <a:xfrm>
             <a:off x="2095525" y="6055601"/>
-            <a:ext cx="3203164" cy="1921971"/>
+            <a:ext cx="3171165" cy="1921971"/>
           </a:xfrm>
           <a:prstGeom prst="rect">
             <a:avLst/>
@@ -4017,7 +4002,7 @@
         <p:spPr>
           <a:xfrm>
             <a:off x="2275328" y="2235253"/>
-            <a:ext cx="14079887" cy="4467497"/>
+            <a:ext cx="13777146" cy="4467497"/>
           </a:xfrm>
           <a:prstGeom prst="rect">
             <a:avLst/>
@@ -4041,7 +4026,7 @@
         <p:spPr>
           <a:xfrm>
             <a:off x="4421297" y="6923049"/>
-            <a:ext cx="5870971" cy="708552"/>
+            <a:ext cx="5846820" cy="708552"/>
           </a:xfrm>
           <a:prstGeom prst="rect">
             <a:avLst/>
@@ -4254,7 +4239,7 @@
         <p:spPr>
           <a:xfrm>
             <a:off x="1884755" y="6572813"/>
-            <a:ext cx="4521037" cy="1338645"/>
+            <a:ext cx="4459235" cy="1338645"/>
           </a:xfrm>
           <a:prstGeom prst="rect">
             <a:avLst/>
@@ -4278,7 +4263,7 @@
         <p:spPr>
           <a:xfrm>
             <a:off x="1876192" y="2194759"/>
-            <a:ext cx="2437018" cy="685697"/>
+            <a:ext cx="2353846" cy="685697"/>
           </a:xfrm>
           <a:prstGeom prst="rect">
             <a:avLst/>
@@ -4404,7 +4389,7 @@
         <p:spPr>
           <a:xfrm>
             <a:off x="1645719" y="2660848"/>
-            <a:ext cx="6735984" cy="3941166"/>
+            <a:ext cx="6692810" cy="3941166"/>
           </a:xfrm>
           <a:prstGeom prst="rect">
             <a:avLst/>
@@ -4578,7 +4563,7 @@
         <p:spPr>
           <a:xfrm>
             <a:off x="1365094" y="5566722"/>
-            <a:ext cx="2800448" cy="810526"/>
+            <a:ext cx="2723224" cy="810526"/>
           </a:xfrm>
           <a:prstGeom prst="rect">
             <a:avLst/>
@@ -4602,7 +4587,7 @@
         <p:spPr>
           <a:xfrm>
             <a:off x="1377738" y="6224157"/>
-            <a:ext cx="3741401" cy="652232"/>
+            <a:ext cx="3684167" cy="652232"/>
           </a:xfrm>
           <a:prstGeom prst="rect">
             <a:avLst/>
@@ -4665,7 +4650,7 @@
         <p:spPr>
           <a:xfrm>
             <a:off x="1640763" y="7576191"/>
-            <a:ext cx="3952293" cy="944776"/>
+            <a:ext cx="3899570" cy="944776"/>
           </a:xfrm>
           <a:prstGeom prst="rect">
             <a:avLst/>
@@ -4728,7 +4713,7 @@
         <p:spPr>
           <a:xfrm>
             <a:off x="6860332" y="5566722"/>
-            <a:ext cx="2744814" cy="810526"/>
+            <a:ext cx="2723224" cy="810526"/>
           </a:xfrm>
           <a:prstGeom prst="rect">
             <a:avLst/>
@@ -4752,7 +4737,7 @@
         <p:spPr>
           <a:xfrm>
             <a:off x="6872976" y="6269470"/>
-            <a:ext cx="3885328" cy="662384"/>
+            <a:ext cx="3828094" cy="662384"/>
           </a:xfrm>
           <a:prstGeom prst="rect">
             <a:avLst/>
@@ -4815,7 +4800,7 @@
         <p:spPr>
           <a:xfrm>
             <a:off x="7136001" y="7576191"/>
-            <a:ext cx="3821191" cy="944776"/>
+            <a:ext cx="3777116" cy="944776"/>
           </a:xfrm>
           <a:prstGeom prst="rect">
             <a:avLst/>
@@ -4839,7 +4824,7 @@
         <p:spPr>
           <a:xfrm>
             <a:off x="12355541" y="5566722"/>
-            <a:ext cx="2733857" cy="814840"/>
+            <a:ext cx="2723225" cy="814840"/>
           </a:xfrm>
           <a:prstGeom prst="rect">
             <a:avLst/>
@@ -4863,7 +4848,7 @@
         <p:spPr>
           <a:xfrm>
             <a:off x="12368185" y="6224157"/>
-            <a:ext cx="3586675" cy="652232"/>
+            <a:ext cx="3551695" cy="652232"/>
           </a:xfrm>
           <a:prstGeom prst="rect">
             <a:avLst/>
@@ -5319,7 +5304,7 @@
         <p:spPr>
           <a:xfrm>
             <a:off x="2074418" y="3855237"/>
-            <a:ext cx="3054151" cy="1969224"/>
+            <a:ext cx="2987926" cy="1969224"/>
           </a:xfrm>
           <a:prstGeom prst="rect">
             <a:avLst/>
@@ -5493,7 +5478,7 @@
         <p:spPr>
           <a:xfrm>
             <a:off x="2095524" y="6055601"/>
-            <a:ext cx="5213374" cy="2297327"/>
+            <a:ext cx="5183852" cy="2297327"/>
           </a:xfrm>
           <a:prstGeom prst="rect">
             <a:avLst/>
@@ -5517,7 +5502,7 @@
         <p:spPr>
           <a:xfrm>
             <a:off x="2074418" y="3852456"/>
-            <a:ext cx="3054151" cy="1969224"/>
+            <a:ext cx="2987926" cy="1969224"/>
           </a:xfrm>
           <a:prstGeom prst="rect">
             <a:avLst/>
@@ -5925,7 +5910,7 @@
         <p:spPr>
           <a:xfrm>
             <a:off x="2095524" y="6055601"/>
-            <a:ext cx="4650789" cy="1594615"/>
+            <a:ext cx="4621267" cy="1594615"/>
           </a:xfrm>
           <a:prstGeom prst="rect">
             <a:avLst/>
@@ -5949,7 +5934,7 @@
         <p:spPr>
           <a:xfrm>
             <a:off x="2074418" y="3852456"/>
-            <a:ext cx="3054151" cy="1969224"/>
+            <a:ext cx="2987926" cy="1969224"/>
           </a:xfrm>
           <a:prstGeom prst="rect">
             <a:avLst/>
@@ -6137,7 +6122,7 @@
           <p:spPr>
             <a:xfrm>
               <a:off x="2074422" y="3849675"/>
-              <a:ext cx="3451503" cy="1969224"/>
+              <a:ext cx="3360234" cy="1969224"/>
             </a:xfrm>
             <a:prstGeom prst="rect">
               <a:avLst/>
@@ -6162,7 +6147,7 @@
         <p:spPr>
           <a:xfrm>
             <a:off x="2095524" y="6055598"/>
-            <a:ext cx="5213370" cy="1594613"/>
+            <a:ext cx="5183848" cy="1594613"/>
           </a:xfrm>
           <a:prstGeom prst="rect">
             <a:avLst/>
@@ -6350,7 +6335,7 @@
           <p:spPr>
             <a:xfrm>
               <a:off x="2074422" y="3849675"/>
-              <a:ext cx="3451503" cy="1969224"/>
+              <a:ext cx="3360234" cy="1969224"/>
             </a:xfrm>
             <a:prstGeom prst="rect">
               <a:avLst/>
@@ -6375,7 +6360,7 @@
         <p:spPr>
           <a:xfrm>
             <a:off x="2095524" y="5994839"/>
-            <a:ext cx="4904842" cy="2002349"/>
+            <a:ext cx="4855361" cy="2002349"/>
           </a:xfrm>
           <a:prstGeom prst="rect">
             <a:avLst/>
@@ -6603,7 +6588,7 @@
         <p:spPr>
           <a:xfrm>
             <a:off x="8216100" y="2721238"/>
-            <a:ext cx="5542973" cy="3922118"/>
+            <a:ext cx="5455914" cy="3922118"/>
           </a:xfrm>
           <a:prstGeom prst="rect">
             <a:avLst/>
@@ -6627,7 +6612,7 @@
         <p:spPr>
           <a:xfrm>
             <a:off x="8458001" y="6575677"/>
-            <a:ext cx="5672493" cy="1259702"/>
+            <a:ext cx="5602196" cy="1259702"/>
           </a:xfrm>
           <a:prstGeom prst="rect">
             <a:avLst/>
@@ -6651,7 +6636,7 @@
         <p:spPr>
           <a:xfrm>
             <a:off x="8446575" y="2194759"/>
-            <a:ext cx="2388258" cy="685697"/>
+            <a:ext cx="2353846" cy="685697"/>
           </a:xfrm>
           <a:prstGeom prst="rect">
             <a:avLst/>

--- a/0 portfolio/210401 취업준비/iOS_app_cSharp프로젝트_PPT_2021/1_PPT_노션(개발블로그)과 Git설명_210430/[개요] 노션 및 Github_210430.pptx
+++ b/0 portfolio/210401 취업준비/iOS_app_cSharp프로젝트_PPT_2021/1_PPT_노션(개발블로그)과 Git설명_210430/[개요] 노션 및 Github_210430.pptx
@@ -304,7 +304,7 @@
           <a:p>
             <a:fld id="{F8166F1F-CE9B-4651-A6AA-CD717754106B}" type="datetimeFigureOut">
               <a:rPr lang="en-US" smtClean="0"/>
-              <a:t>6/8/2021</a:t>
+              <a:t>4/30/2021</a:t>
             </a:fld>
             <a:endParaRPr lang="en-US"/>
           </a:p>
@@ -811,7 +811,7 @@
           <a:p>
             <a:fld id="{A76116CE-C4A3-4A05-B2D7-7C2E9A889C0F}" type="datetimeFigureOut">
               <a:rPr lang="en-US" smtClean="0"/>
-              <a:t>6/8/2021</a:t>
+              <a:t>4/30/2021</a:t>
             </a:fld>
             <a:endParaRPr lang="en-US"/>
           </a:p>
@@ -1052,7 +1052,7 @@
           <a:p>
             <a:fld id="{A76116CE-C4A3-4A05-B2D7-7C2E9A889C0F}" type="datetimeFigureOut">
               <a:rPr lang="en-US" smtClean="0"/>
-              <a:t>6/8/2021</a:t>
+              <a:t>4/30/2021</a:t>
             </a:fld>
             <a:endParaRPr lang="en-US"/>
           </a:p>
@@ -3116,8 +3116,8 @@
         </p:blipFill>
         <p:spPr>
           <a:xfrm>
-            <a:off x="14733370" y="3787189"/>
-            <a:ext cx="1115061" cy="1115061"/>
+            <a:off x="1890429" y="849342"/>
+            <a:ext cx="12107755" cy="8963163"/>
           </a:xfrm>
           <a:prstGeom prst="rect">
             <a:avLst/>
@@ -3140,8 +3140,8 @@
         </p:blipFill>
         <p:spPr>
           <a:xfrm>
-            <a:off x="1890429" y="849342"/>
-            <a:ext cx="11949468" cy="8963163"/>
+            <a:off x="10375066" y="6750609"/>
+            <a:ext cx="2276542" cy="1628828"/>
           </a:xfrm>
           <a:prstGeom prst="rect">
             <a:avLst/>
@@ -3164,56 +3164,8 @@
         </p:blipFill>
         <p:spPr>
           <a:xfrm>
-            <a:off x="10375066" y="6750609"/>
-            <a:ext cx="2189257" cy="1628828"/>
-          </a:xfrm>
-          <a:prstGeom prst="rect">
-            <a:avLst/>
-          </a:prstGeom>
-        </p:spPr>
-      </p:pic>
-      <p:pic>
-        <p:nvPicPr>
-          <p:cNvPr id="8" name="Object 7"/>
-          <p:cNvPicPr>
-            <a:picLocks noChangeAspect="1"/>
-          </p:cNvPicPr>
-          <p:nvPr/>
-        </p:nvPicPr>
-        <p:blipFill>
-          <a:blip r:embed="rId6" cstate="print"/>
-          <a:stretch>
-            <a:fillRect/>
-          </a:stretch>
-        </p:blipFill>
-        <p:spPr>
-          <a:xfrm>
             <a:off x="14633140" y="7628267"/>
-            <a:ext cx="1340931" cy="661363"/>
-          </a:xfrm>
-          <a:prstGeom prst="rect">
-            <a:avLst/>
-          </a:prstGeom>
-        </p:spPr>
-      </p:pic>
-      <p:pic>
-        <p:nvPicPr>
-          <p:cNvPr id="9" name="Object 8"/>
-          <p:cNvPicPr>
-            <a:picLocks noChangeAspect="1"/>
-          </p:cNvPicPr>
-          <p:nvPr/>
-        </p:nvPicPr>
-        <p:blipFill>
-          <a:blip r:embed="rId7" cstate="print"/>
-          <a:stretch>
-            <a:fillRect/>
-          </a:stretch>
-        </p:blipFill>
-        <p:spPr>
-          <a:xfrm>
-            <a:off x="14604042" y="3003962"/>
-            <a:ext cx="1221966" cy="773422"/>
+            <a:ext cx="1388459" cy="661363"/>
           </a:xfrm>
           <a:prstGeom prst="rect">
             <a:avLst/>
@@ -3228,6 +3180,69 @@
         </p:nvGrpSpPr>
         <p:grpSpPr>
           <a:xfrm>
+            <a:off x="14661594" y="3061514"/>
+            <a:ext cx="1258613" cy="1840736"/>
+            <a:chOff x="14661594" y="3061514"/>
+            <a:chExt cx="1258613" cy="1840736"/>
+          </a:xfrm>
+        </p:grpSpPr>
+        <p:pic>
+          <p:nvPicPr>
+            <p:cNvPr id="9" name="Object 8"/>
+            <p:cNvPicPr>
+              <a:picLocks noChangeAspect="1"/>
+            </p:cNvPicPr>
+            <p:nvPr/>
+          </p:nvPicPr>
+          <p:blipFill>
+            <a:blip r:embed="rId6" cstate="print"/>
+            <a:stretch>
+              <a:fillRect/>
+            </a:stretch>
+          </p:blipFill>
+          <p:spPr>
+            <a:xfrm>
+              <a:off x="14733370" y="3787189"/>
+              <a:ext cx="1115061" cy="1115061"/>
+            </a:xfrm>
+            <a:prstGeom prst="rect">
+              <a:avLst/>
+            </a:prstGeom>
+          </p:spPr>
+        </p:pic>
+        <p:pic>
+          <p:nvPicPr>
+            <p:cNvPr id="10" name="Object 9"/>
+            <p:cNvPicPr>
+              <a:picLocks noChangeAspect="1"/>
+            </p:cNvPicPr>
+            <p:nvPr/>
+          </p:nvPicPr>
+          <p:blipFill>
+            <a:blip r:embed="rId7" cstate="print"/>
+            <a:stretch>
+              <a:fillRect/>
+            </a:stretch>
+          </p:blipFill>
+          <p:spPr>
+            <a:xfrm>
+              <a:off x="14604042" y="3003962"/>
+              <a:ext cx="1262388" cy="773422"/>
+            </a:xfrm>
+            <a:prstGeom prst="rect">
+              <a:avLst/>
+            </a:prstGeom>
+          </p:spPr>
+        </p:pic>
+      </p:grpSp>
+      <p:grpSp>
+        <p:nvGrpSpPr>
+          <p:cNvPr id="1003" name="그룹 1003"/>
+          <p:cNvGrpSpPr/>
+          <p:nvPr/>
+        </p:nvGrpSpPr>
+        <p:grpSpPr>
+          <a:xfrm>
             <a:off x="14661594" y="5298958"/>
             <a:ext cx="1258613" cy="1877886"/>
             <a:chOff x="14661594" y="5298958"/>
@@ -3236,7 +3251,7 @@
         </p:grpSpPr>
         <p:pic>
           <p:nvPicPr>
-            <p:cNvPr id="11" name="Object 10"/>
+            <p:cNvPr id="13" name="Object 12"/>
             <p:cNvPicPr>
               <a:picLocks noChangeAspect="1"/>
             </p:cNvPicPr>
@@ -3260,7 +3275,7 @@
         </p:pic>
         <p:pic>
           <p:nvPicPr>
-            <p:cNvPr id="12" name="Object 11"/>
+            <p:cNvPr id="14" name="Object 13"/>
             <p:cNvPicPr>
               <a:picLocks noChangeAspect="1"/>
             </p:cNvPicPr>
@@ -3275,7 +3290,7 @@
           <p:spPr>
             <a:xfrm>
               <a:off x="14604042" y="5241407"/>
-              <a:ext cx="1431533" cy="794593"/>
+              <a:ext cx="1465817" cy="794593"/>
             </a:xfrm>
             <a:prstGeom prst="rect">
               <a:avLst/>
@@ -3450,7 +3465,7 @@
         <p:spPr>
           <a:xfrm>
             <a:off x="2095524" y="6055601"/>
-            <a:ext cx="5088631" cy="2297327"/>
+            <a:ext cx="5113996" cy="2297327"/>
           </a:xfrm>
           <a:prstGeom prst="rect">
             <a:avLst/>
@@ -3843,7 +3858,7 @@
         <p:spPr>
           <a:xfrm>
             <a:off x="2095525" y="6055601"/>
-            <a:ext cx="3171165" cy="1921971"/>
+            <a:ext cx="3203164" cy="1921971"/>
           </a:xfrm>
           <a:prstGeom prst="rect">
             <a:avLst/>
@@ -4002,7 +4017,7 @@
         <p:spPr>
           <a:xfrm>
             <a:off x="2275328" y="2235253"/>
-            <a:ext cx="13777146" cy="4467497"/>
+            <a:ext cx="14079887" cy="4467497"/>
           </a:xfrm>
           <a:prstGeom prst="rect">
             <a:avLst/>
@@ -4026,7 +4041,7 @@
         <p:spPr>
           <a:xfrm>
             <a:off x="4421297" y="6923049"/>
-            <a:ext cx="5846820" cy="708552"/>
+            <a:ext cx="5870971" cy="708552"/>
           </a:xfrm>
           <a:prstGeom prst="rect">
             <a:avLst/>
@@ -4239,7 +4254,7 @@
         <p:spPr>
           <a:xfrm>
             <a:off x="1884755" y="6572813"/>
-            <a:ext cx="4459235" cy="1338645"/>
+            <a:ext cx="4521037" cy="1338645"/>
           </a:xfrm>
           <a:prstGeom prst="rect">
             <a:avLst/>
@@ -4263,7 +4278,7 @@
         <p:spPr>
           <a:xfrm>
             <a:off x="1876192" y="2194759"/>
-            <a:ext cx="2353846" cy="685697"/>
+            <a:ext cx="2437018" cy="685697"/>
           </a:xfrm>
           <a:prstGeom prst="rect">
             <a:avLst/>
@@ -4389,7 +4404,7 @@
         <p:spPr>
           <a:xfrm>
             <a:off x="1645719" y="2660848"/>
-            <a:ext cx="6692810" cy="3941166"/>
+            <a:ext cx="6735984" cy="3941166"/>
           </a:xfrm>
           <a:prstGeom prst="rect">
             <a:avLst/>
@@ -4563,7 +4578,7 @@
         <p:spPr>
           <a:xfrm>
             <a:off x="1365094" y="5566722"/>
-            <a:ext cx="2723224" cy="810526"/>
+            <a:ext cx="2800448" cy="810526"/>
           </a:xfrm>
           <a:prstGeom prst="rect">
             <a:avLst/>
@@ -4587,7 +4602,7 @@
         <p:spPr>
           <a:xfrm>
             <a:off x="1377738" y="6224157"/>
-            <a:ext cx="3684167" cy="652232"/>
+            <a:ext cx="3741401" cy="652232"/>
           </a:xfrm>
           <a:prstGeom prst="rect">
             <a:avLst/>
@@ -4650,7 +4665,7 @@
         <p:spPr>
           <a:xfrm>
             <a:off x="1640763" y="7576191"/>
-            <a:ext cx="3899570" cy="944776"/>
+            <a:ext cx="3952293" cy="944776"/>
           </a:xfrm>
           <a:prstGeom prst="rect">
             <a:avLst/>
@@ -4713,7 +4728,7 @@
         <p:spPr>
           <a:xfrm>
             <a:off x="6860332" y="5566722"/>
-            <a:ext cx="2723224" cy="810526"/>
+            <a:ext cx="2744814" cy="810526"/>
           </a:xfrm>
           <a:prstGeom prst="rect">
             <a:avLst/>
@@ -4737,7 +4752,7 @@
         <p:spPr>
           <a:xfrm>
             <a:off x="6872976" y="6269470"/>
-            <a:ext cx="3828094" cy="662384"/>
+            <a:ext cx="3885328" cy="662384"/>
           </a:xfrm>
           <a:prstGeom prst="rect">
             <a:avLst/>
@@ -4800,7 +4815,7 @@
         <p:spPr>
           <a:xfrm>
             <a:off x="7136001" y="7576191"/>
-            <a:ext cx="3777116" cy="944776"/>
+            <a:ext cx="3821191" cy="944776"/>
           </a:xfrm>
           <a:prstGeom prst="rect">
             <a:avLst/>
@@ -4824,7 +4839,7 @@
         <p:spPr>
           <a:xfrm>
             <a:off x="12355541" y="5566722"/>
-            <a:ext cx="2723225" cy="814840"/>
+            <a:ext cx="2733857" cy="814840"/>
           </a:xfrm>
           <a:prstGeom prst="rect">
             <a:avLst/>
@@ -4848,7 +4863,7 @@
         <p:spPr>
           <a:xfrm>
             <a:off x="12368185" y="6224157"/>
-            <a:ext cx="3551695" cy="652232"/>
+            <a:ext cx="3586675" cy="652232"/>
           </a:xfrm>
           <a:prstGeom prst="rect">
             <a:avLst/>
@@ -5304,7 +5319,7 @@
         <p:spPr>
           <a:xfrm>
             <a:off x="2074418" y="3855237"/>
-            <a:ext cx="2987926" cy="1969224"/>
+            <a:ext cx="3054151" cy="1969224"/>
           </a:xfrm>
           <a:prstGeom prst="rect">
             <a:avLst/>
@@ -5478,7 +5493,7 @@
         <p:spPr>
           <a:xfrm>
             <a:off x="2095524" y="6055601"/>
-            <a:ext cx="5183852" cy="2297327"/>
+            <a:ext cx="5213374" cy="2297327"/>
           </a:xfrm>
           <a:prstGeom prst="rect">
             <a:avLst/>
@@ -5502,7 +5517,7 @@
         <p:spPr>
           <a:xfrm>
             <a:off x="2074418" y="3852456"/>
-            <a:ext cx="2987926" cy="1969224"/>
+            <a:ext cx="3054151" cy="1969224"/>
           </a:xfrm>
           <a:prstGeom prst="rect">
             <a:avLst/>
@@ -5910,7 +5925,7 @@
         <p:spPr>
           <a:xfrm>
             <a:off x="2095524" y="6055601"/>
-            <a:ext cx="4621267" cy="1594615"/>
+            <a:ext cx="4650789" cy="1594615"/>
           </a:xfrm>
           <a:prstGeom prst="rect">
             <a:avLst/>
@@ -5934,7 +5949,7 @@
         <p:spPr>
           <a:xfrm>
             <a:off x="2074418" y="3852456"/>
-            <a:ext cx="2987926" cy="1969224"/>
+            <a:ext cx="3054151" cy="1969224"/>
           </a:xfrm>
           <a:prstGeom prst="rect">
             <a:avLst/>
@@ -6122,7 +6137,7 @@
           <p:spPr>
             <a:xfrm>
               <a:off x="2074422" y="3849675"/>
-              <a:ext cx="3360234" cy="1969224"/>
+              <a:ext cx="3451503" cy="1969224"/>
             </a:xfrm>
             <a:prstGeom prst="rect">
               <a:avLst/>
@@ -6147,7 +6162,7 @@
         <p:spPr>
           <a:xfrm>
             <a:off x="2095524" y="6055598"/>
-            <a:ext cx="5183848" cy="1594613"/>
+            <a:ext cx="5213370" cy="1594613"/>
           </a:xfrm>
           <a:prstGeom prst="rect">
             <a:avLst/>
@@ -6335,7 +6350,7 @@
           <p:spPr>
             <a:xfrm>
               <a:off x="2074422" y="3849675"/>
-              <a:ext cx="3360234" cy="1969224"/>
+              <a:ext cx="3451503" cy="1969224"/>
             </a:xfrm>
             <a:prstGeom prst="rect">
               <a:avLst/>
@@ -6360,7 +6375,7 @@
         <p:spPr>
           <a:xfrm>
             <a:off x="2095524" y="5994839"/>
-            <a:ext cx="4855361" cy="2002349"/>
+            <a:ext cx="4904842" cy="2002349"/>
           </a:xfrm>
           <a:prstGeom prst="rect">
             <a:avLst/>
@@ -6588,7 +6603,7 @@
         <p:spPr>
           <a:xfrm>
             <a:off x="8216100" y="2721238"/>
-            <a:ext cx="5455914" cy="3922118"/>
+            <a:ext cx="5542973" cy="3922118"/>
           </a:xfrm>
           <a:prstGeom prst="rect">
             <a:avLst/>
@@ -6612,7 +6627,7 @@
         <p:spPr>
           <a:xfrm>
             <a:off x="8458001" y="6575677"/>
-            <a:ext cx="5602196" cy="1259702"/>
+            <a:ext cx="5672493" cy="1259702"/>
           </a:xfrm>
           <a:prstGeom prst="rect">
             <a:avLst/>
@@ -6636,7 +6651,7 @@
         <p:spPr>
           <a:xfrm>
             <a:off x="8446575" y="2194759"/>
-            <a:ext cx="2353846" cy="685697"/>
+            <a:ext cx="2388258" cy="685697"/>
           </a:xfrm>
           <a:prstGeom prst="rect">
             <a:avLst/>
